--- a/ABAQUS Example/Results.pptx
+++ b/ABAQUS Example/Results.pptx
@@ -105,6 +105,11 @@
       </a:defRPr>
     </a:lvl9pPr>
   </p:defaultTextStyle>
+  <p:extLst>
+    <p:ext uri="{EFAFB233-063F-42B5-8137-9DF3F51BA10A}">
+      <p15:sldGuideLst xmlns:p15="http://schemas.microsoft.com/office/powerpoint/2012/main"/>
+    </p:ext>
+  </p:extLst>
 </p:presentation>
 </file>
 
@@ -257,7 +262,7 @@
           <a:p>
             <a:fld id="{65EE23F8-1D01-428E-8BB3-0524B826E1E9}" type="datetimeFigureOut">
               <a:rPr lang="nl-NL" smtClean="0"/>
-              <a:t>26-10-2024</a:t>
+              <a:t>31-10-2024</a:t>
             </a:fld>
             <a:endParaRPr lang="nl-NL"/>
           </a:p>
@@ -457,7 +462,7 @@
           <a:p>
             <a:fld id="{65EE23F8-1D01-428E-8BB3-0524B826E1E9}" type="datetimeFigureOut">
               <a:rPr lang="nl-NL" smtClean="0"/>
-              <a:t>26-10-2024</a:t>
+              <a:t>31-10-2024</a:t>
             </a:fld>
             <a:endParaRPr lang="nl-NL"/>
           </a:p>
@@ -667,7 +672,7 @@
           <a:p>
             <a:fld id="{65EE23F8-1D01-428E-8BB3-0524B826E1E9}" type="datetimeFigureOut">
               <a:rPr lang="nl-NL" smtClean="0"/>
-              <a:t>26-10-2024</a:t>
+              <a:t>31-10-2024</a:t>
             </a:fld>
             <a:endParaRPr lang="nl-NL"/>
           </a:p>
@@ -867,7 +872,7 @@
           <a:p>
             <a:fld id="{65EE23F8-1D01-428E-8BB3-0524B826E1E9}" type="datetimeFigureOut">
               <a:rPr lang="nl-NL" smtClean="0"/>
-              <a:t>26-10-2024</a:t>
+              <a:t>31-10-2024</a:t>
             </a:fld>
             <a:endParaRPr lang="nl-NL"/>
           </a:p>
@@ -1143,7 +1148,7 @@
           <a:p>
             <a:fld id="{65EE23F8-1D01-428E-8BB3-0524B826E1E9}" type="datetimeFigureOut">
               <a:rPr lang="nl-NL" smtClean="0"/>
-              <a:t>26-10-2024</a:t>
+              <a:t>31-10-2024</a:t>
             </a:fld>
             <a:endParaRPr lang="nl-NL"/>
           </a:p>
@@ -1411,7 +1416,7 @@
           <a:p>
             <a:fld id="{65EE23F8-1D01-428E-8BB3-0524B826E1E9}" type="datetimeFigureOut">
               <a:rPr lang="nl-NL" smtClean="0"/>
-              <a:t>26-10-2024</a:t>
+              <a:t>31-10-2024</a:t>
             </a:fld>
             <a:endParaRPr lang="nl-NL"/>
           </a:p>
@@ -1826,7 +1831,7 @@
           <a:p>
             <a:fld id="{65EE23F8-1D01-428E-8BB3-0524B826E1E9}" type="datetimeFigureOut">
               <a:rPr lang="nl-NL" smtClean="0"/>
-              <a:t>26-10-2024</a:t>
+              <a:t>31-10-2024</a:t>
             </a:fld>
             <a:endParaRPr lang="nl-NL"/>
           </a:p>
@@ -1968,7 +1973,7 @@
           <a:p>
             <a:fld id="{65EE23F8-1D01-428E-8BB3-0524B826E1E9}" type="datetimeFigureOut">
               <a:rPr lang="nl-NL" smtClean="0"/>
-              <a:t>26-10-2024</a:t>
+              <a:t>31-10-2024</a:t>
             </a:fld>
             <a:endParaRPr lang="nl-NL"/>
           </a:p>
@@ -2081,7 +2086,7 @@
           <a:p>
             <a:fld id="{65EE23F8-1D01-428E-8BB3-0524B826E1E9}" type="datetimeFigureOut">
               <a:rPr lang="nl-NL" smtClean="0"/>
-              <a:t>26-10-2024</a:t>
+              <a:t>31-10-2024</a:t>
             </a:fld>
             <a:endParaRPr lang="nl-NL"/>
           </a:p>
@@ -2394,7 +2399,7 @@
           <a:p>
             <a:fld id="{65EE23F8-1D01-428E-8BB3-0524B826E1E9}" type="datetimeFigureOut">
               <a:rPr lang="nl-NL" smtClean="0"/>
-              <a:t>26-10-2024</a:t>
+              <a:t>31-10-2024</a:t>
             </a:fld>
             <a:endParaRPr lang="nl-NL"/>
           </a:p>
@@ -2683,7 +2688,7 @@
           <a:p>
             <a:fld id="{65EE23F8-1D01-428E-8BB3-0524B826E1E9}" type="datetimeFigureOut">
               <a:rPr lang="nl-NL" smtClean="0"/>
-              <a:t>26-10-2024</a:t>
+              <a:t>31-10-2024</a:t>
             </a:fld>
             <a:endParaRPr lang="nl-NL"/>
           </a:p>
@@ -2926,7 +2931,7 @@
           <a:p>
             <a:fld id="{65EE23F8-1D01-428E-8BB3-0524B826E1E9}" type="datetimeFigureOut">
               <a:rPr lang="nl-NL" smtClean="0"/>
-              <a:t>26-10-2024</a:t>
+              <a:t>31-10-2024</a:t>
             </a:fld>
             <a:endParaRPr lang="nl-NL"/>
           </a:p>
@@ -3543,126 +3548,6 @@
           <a:chExt cx="0" cy="0"/>
         </a:xfrm>
       </p:grpSpPr>
-      <p:pic>
-        <p:nvPicPr>
-          <p:cNvPr id="5" name="Picture 4">
-            <a:extLst>
-              <a:ext uri="{FF2B5EF4-FFF2-40B4-BE49-F238E27FC236}">
-                <a16:creationId xmlns:a16="http://schemas.microsoft.com/office/drawing/2014/main" id="{5C015268-F404-DB2B-7AEA-0F40A62B9349}"/>
-              </a:ext>
-            </a:extLst>
-          </p:cNvPr>
-          <p:cNvPicPr>
-            <a:picLocks noChangeAspect="1"/>
-          </p:cNvPicPr>
-          <p:nvPr/>
-        </p:nvPicPr>
-        <p:blipFill>
-          <a:blip r:embed="rId2"/>
-          <a:stretch>
-            <a:fillRect/>
-          </a:stretch>
-        </p:blipFill>
-        <p:spPr>
-          <a:xfrm>
-            <a:off x="262493" y="271129"/>
-            <a:ext cx="5628501" cy="3035596"/>
-          </a:xfrm>
-          <a:prstGeom prst="rect">
-            <a:avLst/>
-          </a:prstGeom>
-        </p:spPr>
-      </p:pic>
-      <p:pic>
-        <p:nvPicPr>
-          <p:cNvPr id="7" name="Picture 6">
-            <a:extLst>
-              <a:ext uri="{FF2B5EF4-FFF2-40B4-BE49-F238E27FC236}">
-                <a16:creationId xmlns:a16="http://schemas.microsoft.com/office/drawing/2014/main" id="{7132DB0F-00FF-132C-4866-FE0D282D6CAC}"/>
-              </a:ext>
-            </a:extLst>
-          </p:cNvPr>
-          <p:cNvPicPr>
-            <a:picLocks noChangeAspect="1"/>
-          </p:cNvPicPr>
-          <p:nvPr/>
-        </p:nvPicPr>
-        <p:blipFill>
-          <a:blip r:embed="rId3"/>
-          <a:stretch>
-            <a:fillRect/>
-          </a:stretch>
-        </p:blipFill>
-        <p:spPr>
-          <a:xfrm>
-            <a:off x="6428600" y="278044"/>
-            <a:ext cx="5043328" cy="3042511"/>
-          </a:xfrm>
-          <a:prstGeom prst="rect">
-            <a:avLst/>
-          </a:prstGeom>
-        </p:spPr>
-      </p:pic>
-      <p:pic>
-        <p:nvPicPr>
-          <p:cNvPr id="9" name="Picture 8">
-            <a:extLst>
-              <a:ext uri="{FF2B5EF4-FFF2-40B4-BE49-F238E27FC236}">
-                <a16:creationId xmlns:a16="http://schemas.microsoft.com/office/drawing/2014/main" id="{F5B7BD2B-8D70-ACC1-12F1-28E6450AEBF1}"/>
-              </a:ext>
-            </a:extLst>
-          </p:cNvPr>
-          <p:cNvPicPr>
-            <a:picLocks noChangeAspect="1"/>
-          </p:cNvPicPr>
-          <p:nvPr/>
-        </p:nvPicPr>
-        <p:blipFill>
-          <a:blip r:embed="rId4"/>
-          <a:stretch>
-            <a:fillRect/>
-          </a:stretch>
-        </p:blipFill>
-        <p:spPr>
-          <a:xfrm>
-            <a:off x="262493" y="3429000"/>
-            <a:ext cx="5628501" cy="3110539"/>
-          </a:xfrm>
-          <a:prstGeom prst="rect">
-            <a:avLst/>
-          </a:prstGeom>
-        </p:spPr>
-      </p:pic>
-      <p:pic>
-        <p:nvPicPr>
-          <p:cNvPr id="11" name="Picture 10">
-            <a:extLst>
-              <a:ext uri="{FF2B5EF4-FFF2-40B4-BE49-F238E27FC236}">
-                <a16:creationId xmlns:a16="http://schemas.microsoft.com/office/drawing/2014/main" id="{5DA5669B-9195-1F66-C603-EDB05819EB0A}"/>
-              </a:ext>
-            </a:extLst>
-          </p:cNvPr>
-          <p:cNvPicPr>
-            <a:picLocks noChangeAspect="1"/>
-          </p:cNvPicPr>
-          <p:nvPr/>
-        </p:nvPicPr>
-        <p:blipFill>
-          <a:blip r:embed="rId5"/>
-          <a:stretch>
-            <a:fillRect/>
-          </a:stretch>
-        </p:blipFill>
-        <p:spPr>
-          <a:xfrm>
-            <a:off x="6428600" y="3537446"/>
-            <a:ext cx="5117293" cy="2759149"/>
-          </a:xfrm>
-          <a:prstGeom prst="rect">
-            <a:avLst/>
-          </a:prstGeom>
-        </p:spPr>
-      </p:pic>
       <p:sp>
         <p:nvSpPr>
           <p:cNvPr id="12" name="Rectangle 11">
@@ -3713,6 +3598,126 @@
           </a:p>
         </p:txBody>
       </p:sp>
+      <p:pic>
+        <p:nvPicPr>
+          <p:cNvPr id="3" name="Picture 2">
+            <a:extLst>
+              <a:ext uri="{FF2B5EF4-FFF2-40B4-BE49-F238E27FC236}">
+                <a16:creationId xmlns:a16="http://schemas.microsoft.com/office/drawing/2014/main" id="{01465CBD-B7DA-8DD3-20B5-D95065E49A3F}"/>
+              </a:ext>
+            </a:extLst>
+          </p:cNvPr>
+          <p:cNvPicPr>
+            <a:picLocks noChangeAspect="1"/>
+          </p:cNvPicPr>
+          <p:nvPr/>
+        </p:nvPicPr>
+        <p:blipFill>
+          <a:blip r:embed="rId2"/>
+          <a:stretch>
+            <a:fillRect/>
+          </a:stretch>
+        </p:blipFill>
+        <p:spPr>
+          <a:xfrm>
+            <a:off x="499920" y="647700"/>
+            <a:ext cx="4067175" cy="2781300"/>
+          </a:xfrm>
+          <a:prstGeom prst="rect">
+            <a:avLst/>
+          </a:prstGeom>
+        </p:spPr>
+      </p:pic>
+      <p:pic>
+        <p:nvPicPr>
+          <p:cNvPr id="6" name="Picture 5">
+            <a:extLst>
+              <a:ext uri="{FF2B5EF4-FFF2-40B4-BE49-F238E27FC236}">
+                <a16:creationId xmlns:a16="http://schemas.microsoft.com/office/drawing/2014/main" id="{A174BC35-EB96-5CC2-AC1C-4A9B5A7A34B3}"/>
+              </a:ext>
+            </a:extLst>
+          </p:cNvPr>
+          <p:cNvPicPr>
+            <a:picLocks noChangeAspect="1"/>
+          </p:cNvPicPr>
+          <p:nvPr/>
+        </p:nvPicPr>
+        <p:blipFill>
+          <a:blip r:embed="rId3"/>
+          <a:stretch>
+            <a:fillRect/>
+          </a:stretch>
+        </p:blipFill>
+        <p:spPr>
+          <a:xfrm>
+            <a:off x="6854536" y="695325"/>
+            <a:ext cx="4191000" cy="2733675"/>
+          </a:xfrm>
+          <a:prstGeom prst="rect">
+            <a:avLst/>
+          </a:prstGeom>
+        </p:spPr>
+      </p:pic>
+      <p:pic>
+        <p:nvPicPr>
+          <p:cNvPr id="10" name="Picture 9">
+            <a:extLst>
+              <a:ext uri="{FF2B5EF4-FFF2-40B4-BE49-F238E27FC236}">
+                <a16:creationId xmlns:a16="http://schemas.microsoft.com/office/drawing/2014/main" id="{6B6B0FC7-36D6-F602-2203-1DA99A1B9F23}"/>
+              </a:ext>
+            </a:extLst>
+          </p:cNvPr>
+          <p:cNvPicPr>
+            <a:picLocks noChangeAspect="1"/>
+          </p:cNvPicPr>
+          <p:nvPr/>
+        </p:nvPicPr>
+        <p:blipFill>
+          <a:blip r:embed="rId4"/>
+          <a:stretch>
+            <a:fillRect/>
+          </a:stretch>
+        </p:blipFill>
+        <p:spPr>
+          <a:xfrm>
+            <a:off x="452295" y="3813175"/>
+            <a:ext cx="4114800" cy="2686050"/>
+          </a:xfrm>
+          <a:prstGeom prst="rect">
+            <a:avLst/>
+          </a:prstGeom>
+        </p:spPr>
+      </p:pic>
+      <p:pic>
+        <p:nvPicPr>
+          <p:cNvPr id="14" name="Picture 13">
+            <a:extLst>
+              <a:ext uri="{FF2B5EF4-FFF2-40B4-BE49-F238E27FC236}">
+                <a16:creationId xmlns:a16="http://schemas.microsoft.com/office/drawing/2014/main" id="{A0559D3A-3660-ADE2-7EE5-2B045C2DB656}"/>
+              </a:ext>
+            </a:extLst>
+          </p:cNvPr>
+          <p:cNvPicPr>
+            <a:picLocks noChangeAspect="1"/>
+          </p:cNvPicPr>
+          <p:nvPr/>
+        </p:nvPicPr>
+        <p:blipFill>
+          <a:blip r:embed="rId5"/>
+          <a:stretch>
+            <a:fillRect/>
+          </a:stretch>
+        </p:blipFill>
+        <p:spPr>
+          <a:xfrm>
+            <a:off x="6854536" y="3746500"/>
+            <a:ext cx="4086225" cy="2819400"/>
+          </a:xfrm>
+          <a:prstGeom prst="rect">
+            <a:avLst/>
+          </a:prstGeom>
+        </p:spPr>
+      </p:pic>
     </p:spTree>
     <p:extLst>
       <p:ext uri="{BB962C8B-B14F-4D97-AF65-F5344CB8AC3E}">
